--- a/template/pptx_templates/Portfolio.pptx
+++ b/template/pptx_templates/Portfolio.pptx
@@ -1636,7 +1636,7 @@
               </a:spcAft>
               <a:buSzPts val="3000"/>
               <a:buNone/>
-              <a:defRPr/>
+              <a:defRPr sz="2000"/>
             </a:lvl1pPr>
             <a:lvl2pPr lvl="1" rtl="0">
               <a:spcBef>
@@ -1728,7 +1728,7 @@
             </a:lvl9pPr>
           </a:lstStyle>
           <a:p>
-            <a:endParaRPr/>
+            <a:endParaRPr dirty="0"/>
           </a:p>
         </p:txBody>
       </p:sp>
@@ -2257,7 +2257,7 @@
               </a:spcAft>
               <a:buSzPts val="3000"/>
               <a:buNone/>
-              <a:defRPr/>
+              <a:defRPr sz="2000"/>
             </a:lvl1pPr>
             <a:lvl2pPr lvl="1" rtl="0">
               <a:spcBef>

--- a/template/pptx_templates/Portfolio.pptx
+++ b/template/pptx_templates/Portfolio.pptx
@@ -757,7 +757,7 @@
               </a:buClr>
               <a:buSzPts val="5200"/>
               <a:buNone/>
-              <a:defRPr sz="5000"/>
+              <a:defRPr sz="3200"/>
             </a:lvl1pPr>
             <a:lvl2pPr lvl="1" algn="ctr">
               <a:spcBef>
@@ -905,7 +905,7 @@
             </a:lvl9pPr>
           </a:lstStyle>
           <a:p>
-            <a:endParaRPr/>
+            <a:endParaRPr dirty="0"/>
           </a:p>
         </p:txBody>
       </p:sp>
@@ -1745,7 +1745,7 @@
         <p:spPr>
           <a:xfrm>
             <a:off x="713225" y="1474499"/>
-            <a:ext cx="3728146" cy="2331600"/>
+            <a:ext cx="3728146" cy="3024022"/>
           </a:xfrm>
           <a:prstGeom prst="rect">
             <a:avLst/>
@@ -2844,7 +2844,7 @@
             </a:lvl9pPr>
           </a:lstStyle>
           <a:p>
-            <a:endParaRPr/>
+            <a:endParaRPr dirty="0"/>
           </a:p>
         </p:txBody>
       </p:sp>
